--- a/Clase 04 -- 09-09/Clase04_PROG_III_2019.pptx
+++ b/Clase 04 -- 09-09/Clase04_PROG_III_2019.pptx
@@ -172,7 +172,7 @@
   </p:defaultTextStyle>
   <p:extLst>
     <p:ext uri="{EFAFB233-063F-42B5-8137-9DF3F51BA10A}">
-      <p15:sldGuideLst xmlns="" xmlns:p15="http://schemas.microsoft.com/office/powerpoint/2012/main">
+      <p15:sldGuideLst xmlns:p15="http://schemas.microsoft.com/office/powerpoint/2012/main">
         <p15:guide id="1" orient="horz" pos="2160">
           <p15:clr>
             <a:srgbClr val="A4A3A4"/>
@@ -409,7 +409,7 @@
     </p:spTree>
     <p:extLst>
       <p:ext uri="{BB962C8B-B14F-4D97-AF65-F5344CB8AC3E}">
-        <p14:creationId xmlns:p14="http://schemas.microsoft.com/office/powerpoint/2010/main" xmlns="" val="3696065961"/>
+        <p14:creationId xmlns:p14="http://schemas.microsoft.com/office/powerpoint/2010/main" val="3696065961"/>
       </p:ext>
     </p:extLst>
   </p:cSld>
@@ -567,7 +567,7 @@
           </a:ln>
           <a:extLst>
             <a:ext uri="{909E8E84-426E-40DD-AFC4-6F175D3DCCD1}">
-              <a14:hiddenFill xmlns:a14="http://schemas.microsoft.com/office/drawing/2010/main" xmlns="">
+              <a14:hiddenFill xmlns:a14="http://schemas.microsoft.com/office/drawing/2010/main">
                 <a:solidFill>
                   <a:srgbClr val="FFFFFF"/>
                 </a:solidFill>
@@ -746,7 +746,7 @@
     </p:spTree>
     <p:extLst>
       <p:ext uri="{BB962C8B-B14F-4D97-AF65-F5344CB8AC3E}">
-        <p14:creationId xmlns:p14="http://schemas.microsoft.com/office/powerpoint/2010/main" xmlns="" val="889731458"/>
+        <p14:creationId xmlns:p14="http://schemas.microsoft.com/office/powerpoint/2010/main" val="889731458"/>
       </p:ext>
     </p:extLst>
   </p:cSld>
@@ -908,14 +908,14 @@
           <a:ln/>
           <a:extLst>
             <a:ext uri="{909E8E84-426E-40DD-AFC4-6F175D3DCCD1}">
-              <a14:hiddenFill xmlns:a14="http://schemas.microsoft.com/office/drawing/2010/main" xmlns="">
+              <a14:hiddenFill xmlns:a14="http://schemas.microsoft.com/office/drawing/2010/main">
                 <a:solidFill>
                   <a:srgbClr val="FFFFFF"/>
                 </a:solidFill>
               </a14:hiddenFill>
             </a:ext>
             <a:ext uri="{91240B29-F687-4F45-9708-019B960494DF}">
-              <a14:hiddenLine xmlns:a14="http://schemas.microsoft.com/office/drawing/2010/main" xmlns="" w="9525">
+              <a14:hiddenLine xmlns:a14="http://schemas.microsoft.com/office/drawing/2010/main" w="9525">
                 <a:solidFill>
                   <a:srgbClr val="000000"/>
                 </a:solidFill>
@@ -1070,14 +1070,14 @@
           <a:ln/>
           <a:extLst>
             <a:ext uri="{909E8E84-426E-40DD-AFC4-6F175D3DCCD1}">
-              <a14:hiddenFill xmlns:a14="http://schemas.microsoft.com/office/drawing/2010/main" xmlns="">
+              <a14:hiddenFill xmlns:a14="http://schemas.microsoft.com/office/drawing/2010/main">
                 <a:solidFill>
                   <a:srgbClr val="FFFFFF"/>
                 </a:solidFill>
               </a14:hiddenFill>
             </a:ext>
             <a:ext uri="{91240B29-F687-4F45-9708-019B960494DF}">
-              <a14:hiddenLine xmlns:a14="http://schemas.microsoft.com/office/drawing/2010/main" xmlns="" w="9525">
+              <a14:hiddenLine xmlns:a14="http://schemas.microsoft.com/office/drawing/2010/main" w="9525">
                 <a:solidFill>
                   <a:srgbClr val="000000"/>
                 </a:solidFill>
@@ -1102,7 +1102,7 @@
     </p:spTree>
     <p:extLst>
       <p:ext uri="{BB962C8B-B14F-4D97-AF65-F5344CB8AC3E}">
-        <p14:creationId xmlns:p14="http://schemas.microsoft.com/office/powerpoint/2010/main" xmlns="" val="3405347840"/>
+        <p14:creationId xmlns:p14="http://schemas.microsoft.com/office/powerpoint/2010/main" val="3405347840"/>
       </p:ext>
     </p:extLst>
   </p:cSld>
@@ -1144,14 +1144,14 @@
           <a:ln/>
           <a:extLst>
             <a:ext uri="{909E8E84-426E-40DD-AFC4-6F175D3DCCD1}">
-              <a14:hiddenFill xmlns:a14="http://schemas.microsoft.com/office/drawing/2010/main" xmlns="">
+              <a14:hiddenFill xmlns:a14="http://schemas.microsoft.com/office/drawing/2010/main">
                 <a:solidFill>
                   <a:srgbClr val="FFFFFF"/>
                 </a:solidFill>
               </a14:hiddenFill>
             </a:ext>
             <a:ext uri="{91240B29-F687-4F45-9708-019B960494DF}">
-              <a14:hiddenLine xmlns:a14="http://schemas.microsoft.com/office/drawing/2010/main" xmlns="" w="9525">
+              <a14:hiddenLine xmlns:a14="http://schemas.microsoft.com/office/drawing/2010/main" w="9525">
                 <a:solidFill>
                   <a:srgbClr val="000000"/>
                 </a:solidFill>
@@ -1306,14 +1306,14 @@
           <a:ln/>
           <a:extLst>
             <a:ext uri="{909E8E84-426E-40DD-AFC4-6F175D3DCCD1}">
-              <a14:hiddenFill xmlns:a14="http://schemas.microsoft.com/office/drawing/2010/main" xmlns="">
+              <a14:hiddenFill xmlns:a14="http://schemas.microsoft.com/office/drawing/2010/main">
                 <a:solidFill>
                   <a:srgbClr val="FFFFFF"/>
                 </a:solidFill>
               </a14:hiddenFill>
             </a:ext>
             <a:ext uri="{91240B29-F687-4F45-9708-019B960494DF}">
-              <a14:hiddenLine xmlns:a14="http://schemas.microsoft.com/office/drawing/2010/main" xmlns="" w="9525">
+              <a14:hiddenLine xmlns:a14="http://schemas.microsoft.com/office/drawing/2010/main" w="9525">
                 <a:solidFill>
                   <a:srgbClr val="000000"/>
                 </a:solidFill>
@@ -1338,7 +1338,7 @@
     </p:spTree>
     <p:extLst>
       <p:ext uri="{BB962C8B-B14F-4D97-AF65-F5344CB8AC3E}">
-        <p14:creationId xmlns:p14="http://schemas.microsoft.com/office/powerpoint/2010/main" xmlns="" val="1548626159"/>
+        <p14:creationId xmlns:p14="http://schemas.microsoft.com/office/powerpoint/2010/main" val="1548626159"/>
       </p:ext>
     </p:extLst>
   </p:cSld>
@@ -1423,7 +1423,7 @@
     </p:spTree>
     <p:extLst>
       <p:ext uri="{BB962C8B-B14F-4D97-AF65-F5344CB8AC3E}">
-        <p14:creationId xmlns:p14="http://schemas.microsoft.com/office/powerpoint/2010/main" xmlns="" val="303780366"/>
+        <p14:creationId xmlns:p14="http://schemas.microsoft.com/office/powerpoint/2010/main" val="303780366"/>
       </p:ext>
     </p:extLst>
   </p:cSld>
@@ -1465,14 +1465,14 @@
           <a:ln/>
           <a:extLst>
             <a:ext uri="{909E8E84-426E-40DD-AFC4-6F175D3DCCD1}">
-              <a14:hiddenFill xmlns:a14="http://schemas.microsoft.com/office/drawing/2010/main" xmlns="">
+              <a14:hiddenFill xmlns:a14="http://schemas.microsoft.com/office/drawing/2010/main">
                 <a:solidFill>
                   <a:srgbClr val="FFFFFF"/>
                 </a:solidFill>
               </a14:hiddenFill>
             </a:ext>
             <a:ext uri="{91240B29-F687-4F45-9708-019B960494DF}">
-              <a14:hiddenLine xmlns:a14="http://schemas.microsoft.com/office/drawing/2010/main" xmlns="" w="9525">
+              <a14:hiddenLine xmlns:a14="http://schemas.microsoft.com/office/drawing/2010/main" w="9525">
                 <a:solidFill>
                   <a:srgbClr val="000000"/>
                 </a:solidFill>
@@ -1627,14 +1627,14 @@
           <a:ln/>
           <a:extLst>
             <a:ext uri="{909E8E84-426E-40DD-AFC4-6F175D3DCCD1}">
-              <a14:hiddenFill xmlns:a14="http://schemas.microsoft.com/office/drawing/2010/main" xmlns="">
+              <a14:hiddenFill xmlns:a14="http://schemas.microsoft.com/office/drawing/2010/main">
                 <a:solidFill>
                   <a:srgbClr val="FFFFFF"/>
                 </a:solidFill>
               </a14:hiddenFill>
             </a:ext>
             <a:ext uri="{91240B29-F687-4F45-9708-019B960494DF}">
-              <a14:hiddenLine xmlns:a14="http://schemas.microsoft.com/office/drawing/2010/main" xmlns="" w="9525">
+              <a14:hiddenLine xmlns:a14="http://schemas.microsoft.com/office/drawing/2010/main" w="9525">
                 <a:solidFill>
                   <a:srgbClr val="000000"/>
                 </a:solidFill>
@@ -1659,7 +1659,7 @@
     </p:spTree>
     <p:extLst>
       <p:ext uri="{BB962C8B-B14F-4D97-AF65-F5344CB8AC3E}">
-        <p14:creationId xmlns:p14="http://schemas.microsoft.com/office/powerpoint/2010/main" xmlns="" val="1548626159"/>
+        <p14:creationId xmlns:p14="http://schemas.microsoft.com/office/powerpoint/2010/main" val="1548626159"/>
       </p:ext>
     </p:extLst>
   </p:cSld>
@@ -1744,7 +1744,7 @@
     </p:spTree>
     <p:extLst>
       <p:ext uri="{BB962C8B-B14F-4D97-AF65-F5344CB8AC3E}">
-        <p14:creationId xmlns:p14="http://schemas.microsoft.com/office/powerpoint/2010/main" xmlns="" val="303780366"/>
+        <p14:creationId xmlns:p14="http://schemas.microsoft.com/office/powerpoint/2010/main" val="303780366"/>
       </p:ext>
     </p:extLst>
   </p:cSld>
@@ -1829,7 +1829,7 @@
     </p:spTree>
     <p:extLst>
       <p:ext uri="{BB962C8B-B14F-4D97-AF65-F5344CB8AC3E}">
-        <p14:creationId xmlns:p14="http://schemas.microsoft.com/office/powerpoint/2010/main" xmlns="" val="303780366"/>
+        <p14:creationId xmlns:p14="http://schemas.microsoft.com/office/powerpoint/2010/main" val="303780366"/>
       </p:ext>
     </p:extLst>
   </p:cSld>
@@ -1871,14 +1871,14 @@
           <a:ln/>
           <a:extLst>
             <a:ext uri="{909E8E84-426E-40DD-AFC4-6F175D3DCCD1}">
-              <a14:hiddenFill xmlns:a14="http://schemas.microsoft.com/office/drawing/2010/main" xmlns="">
+              <a14:hiddenFill xmlns:a14="http://schemas.microsoft.com/office/drawing/2010/main">
                 <a:solidFill>
                   <a:srgbClr val="FFFFFF"/>
                 </a:solidFill>
               </a14:hiddenFill>
             </a:ext>
             <a:ext uri="{91240B29-F687-4F45-9708-019B960494DF}">
-              <a14:hiddenLine xmlns:a14="http://schemas.microsoft.com/office/drawing/2010/main" xmlns="" w="9525">
+              <a14:hiddenLine xmlns:a14="http://schemas.microsoft.com/office/drawing/2010/main" w="9525">
                 <a:solidFill>
                   <a:srgbClr val="000000"/>
                 </a:solidFill>
@@ -2033,14 +2033,14 @@
           <a:ln/>
           <a:extLst>
             <a:ext uri="{909E8E84-426E-40DD-AFC4-6F175D3DCCD1}">
-              <a14:hiddenFill xmlns:a14="http://schemas.microsoft.com/office/drawing/2010/main" xmlns="">
+              <a14:hiddenFill xmlns:a14="http://schemas.microsoft.com/office/drawing/2010/main">
                 <a:solidFill>
                   <a:srgbClr val="FFFFFF"/>
                 </a:solidFill>
               </a14:hiddenFill>
             </a:ext>
             <a:ext uri="{91240B29-F687-4F45-9708-019B960494DF}">
-              <a14:hiddenLine xmlns:a14="http://schemas.microsoft.com/office/drawing/2010/main" xmlns="" w="9525">
+              <a14:hiddenLine xmlns:a14="http://schemas.microsoft.com/office/drawing/2010/main" w="9525">
                 <a:solidFill>
                   <a:srgbClr val="000000"/>
                 </a:solidFill>
@@ -2065,7 +2065,7 @@
     </p:spTree>
     <p:extLst>
       <p:ext uri="{BB962C8B-B14F-4D97-AF65-F5344CB8AC3E}">
-        <p14:creationId xmlns:p14="http://schemas.microsoft.com/office/powerpoint/2010/main" xmlns="" val="1548626159"/>
+        <p14:creationId xmlns:p14="http://schemas.microsoft.com/office/powerpoint/2010/main" val="1548626159"/>
       </p:ext>
     </p:extLst>
   </p:cSld>
@@ -2150,7 +2150,7 @@
     </p:spTree>
     <p:extLst>
       <p:ext uri="{BB962C8B-B14F-4D97-AF65-F5344CB8AC3E}">
-        <p14:creationId xmlns:p14="http://schemas.microsoft.com/office/powerpoint/2010/main" xmlns="" val="303780366"/>
+        <p14:creationId xmlns:p14="http://schemas.microsoft.com/office/powerpoint/2010/main" val="303780366"/>
       </p:ext>
     </p:extLst>
   </p:cSld>
@@ -2192,14 +2192,14 @@
           <a:ln/>
           <a:extLst>
             <a:ext uri="{909E8E84-426E-40DD-AFC4-6F175D3DCCD1}">
-              <a14:hiddenFill xmlns:a14="http://schemas.microsoft.com/office/drawing/2010/main" xmlns="">
+              <a14:hiddenFill xmlns:a14="http://schemas.microsoft.com/office/drawing/2010/main">
                 <a:solidFill>
                   <a:srgbClr val="FFFFFF"/>
                 </a:solidFill>
               </a14:hiddenFill>
             </a:ext>
             <a:ext uri="{91240B29-F687-4F45-9708-019B960494DF}">
-              <a14:hiddenLine xmlns:a14="http://schemas.microsoft.com/office/drawing/2010/main" xmlns="" w="9525">
+              <a14:hiddenLine xmlns:a14="http://schemas.microsoft.com/office/drawing/2010/main" w="9525">
                 <a:solidFill>
                   <a:srgbClr val="000000"/>
                 </a:solidFill>
@@ -2354,14 +2354,14 @@
           <a:ln/>
           <a:extLst>
             <a:ext uri="{909E8E84-426E-40DD-AFC4-6F175D3DCCD1}">
-              <a14:hiddenFill xmlns:a14="http://schemas.microsoft.com/office/drawing/2010/main" xmlns="">
+              <a14:hiddenFill xmlns:a14="http://schemas.microsoft.com/office/drawing/2010/main">
                 <a:solidFill>
                   <a:srgbClr val="FFFFFF"/>
                 </a:solidFill>
               </a14:hiddenFill>
             </a:ext>
             <a:ext uri="{91240B29-F687-4F45-9708-019B960494DF}">
-              <a14:hiddenLine xmlns:a14="http://schemas.microsoft.com/office/drawing/2010/main" xmlns="" w="9525">
+              <a14:hiddenLine xmlns:a14="http://schemas.microsoft.com/office/drawing/2010/main" w="9525">
                 <a:solidFill>
                   <a:srgbClr val="000000"/>
                 </a:solidFill>
@@ -2386,7 +2386,7 @@
     </p:spTree>
     <p:extLst>
       <p:ext uri="{BB962C8B-B14F-4D97-AF65-F5344CB8AC3E}">
-        <p14:creationId xmlns:p14="http://schemas.microsoft.com/office/powerpoint/2010/main" xmlns="" val="1548626159"/>
+        <p14:creationId xmlns:p14="http://schemas.microsoft.com/office/powerpoint/2010/main" val="1548626159"/>
       </p:ext>
     </p:extLst>
   </p:cSld>
@@ -2428,14 +2428,14 @@
           <a:ln/>
           <a:extLst>
             <a:ext uri="{909E8E84-426E-40DD-AFC4-6F175D3DCCD1}">
-              <a14:hiddenFill xmlns:a14="http://schemas.microsoft.com/office/drawing/2010/main" xmlns="">
+              <a14:hiddenFill xmlns:a14="http://schemas.microsoft.com/office/drawing/2010/main">
                 <a:solidFill>
                   <a:srgbClr val="FFFFFF"/>
                 </a:solidFill>
               </a14:hiddenFill>
             </a:ext>
             <a:ext uri="{91240B29-F687-4F45-9708-019B960494DF}">
-              <a14:hiddenLine xmlns:a14="http://schemas.microsoft.com/office/drawing/2010/main" xmlns="" w="9525">
+              <a14:hiddenLine xmlns:a14="http://schemas.microsoft.com/office/drawing/2010/main" w="9525">
                 <a:solidFill>
                   <a:srgbClr val="000000"/>
                 </a:solidFill>
@@ -2590,14 +2590,14 @@
           <a:ln/>
           <a:extLst>
             <a:ext uri="{909E8E84-426E-40DD-AFC4-6F175D3DCCD1}">
-              <a14:hiddenFill xmlns:a14="http://schemas.microsoft.com/office/drawing/2010/main" xmlns="">
+              <a14:hiddenFill xmlns:a14="http://schemas.microsoft.com/office/drawing/2010/main">
                 <a:solidFill>
                   <a:srgbClr val="FFFFFF"/>
                 </a:solidFill>
               </a14:hiddenFill>
             </a:ext>
             <a:ext uri="{91240B29-F687-4F45-9708-019B960494DF}">
-              <a14:hiddenLine xmlns:a14="http://schemas.microsoft.com/office/drawing/2010/main" xmlns="" w="9525">
+              <a14:hiddenLine xmlns:a14="http://schemas.microsoft.com/office/drawing/2010/main" w="9525">
                 <a:solidFill>
                   <a:srgbClr val="000000"/>
                 </a:solidFill>
@@ -2622,7 +2622,7 @@
     </p:spTree>
     <p:extLst>
       <p:ext uri="{BB962C8B-B14F-4D97-AF65-F5344CB8AC3E}">
-        <p14:creationId xmlns:p14="http://schemas.microsoft.com/office/powerpoint/2010/main" xmlns="" val="1548626159"/>
+        <p14:creationId xmlns:p14="http://schemas.microsoft.com/office/powerpoint/2010/main" val="1548626159"/>
       </p:ext>
     </p:extLst>
   </p:cSld>
@@ -2664,14 +2664,14 @@
           <a:ln/>
           <a:extLst>
             <a:ext uri="{909E8E84-426E-40DD-AFC4-6F175D3DCCD1}">
-              <a14:hiddenFill xmlns:a14="http://schemas.microsoft.com/office/drawing/2010/main" xmlns="">
+              <a14:hiddenFill xmlns:a14="http://schemas.microsoft.com/office/drawing/2010/main">
                 <a:solidFill>
                   <a:srgbClr val="FFFFFF"/>
                 </a:solidFill>
               </a14:hiddenFill>
             </a:ext>
             <a:ext uri="{91240B29-F687-4F45-9708-019B960494DF}">
-              <a14:hiddenLine xmlns:a14="http://schemas.microsoft.com/office/drawing/2010/main" xmlns="" w="9525">
+              <a14:hiddenLine xmlns:a14="http://schemas.microsoft.com/office/drawing/2010/main" w="9525">
                 <a:solidFill>
                   <a:srgbClr val="000000"/>
                 </a:solidFill>
@@ -2826,14 +2826,14 @@
           <a:ln/>
           <a:extLst>
             <a:ext uri="{909E8E84-426E-40DD-AFC4-6F175D3DCCD1}">
-              <a14:hiddenFill xmlns:a14="http://schemas.microsoft.com/office/drawing/2010/main" xmlns="">
+              <a14:hiddenFill xmlns:a14="http://schemas.microsoft.com/office/drawing/2010/main">
                 <a:solidFill>
                   <a:srgbClr val="FFFFFF"/>
                 </a:solidFill>
               </a14:hiddenFill>
             </a:ext>
             <a:ext uri="{91240B29-F687-4F45-9708-019B960494DF}">
-              <a14:hiddenLine xmlns:a14="http://schemas.microsoft.com/office/drawing/2010/main" xmlns="" w="9525">
+              <a14:hiddenLine xmlns:a14="http://schemas.microsoft.com/office/drawing/2010/main" w="9525">
                 <a:solidFill>
                   <a:srgbClr val="000000"/>
                 </a:solidFill>
@@ -2858,7 +2858,7 @@
     </p:spTree>
     <p:extLst>
       <p:ext uri="{BB962C8B-B14F-4D97-AF65-F5344CB8AC3E}">
-        <p14:creationId xmlns:p14="http://schemas.microsoft.com/office/powerpoint/2010/main" xmlns="" val="1548626159"/>
+        <p14:creationId xmlns:p14="http://schemas.microsoft.com/office/powerpoint/2010/main" val="1548626159"/>
       </p:ext>
     </p:extLst>
   </p:cSld>
@@ -2900,14 +2900,14 @@
           <a:ln/>
           <a:extLst>
             <a:ext uri="{909E8E84-426E-40DD-AFC4-6F175D3DCCD1}">
-              <a14:hiddenFill xmlns:a14="http://schemas.microsoft.com/office/drawing/2010/main" xmlns="">
+              <a14:hiddenFill xmlns:a14="http://schemas.microsoft.com/office/drawing/2010/main">
                 <a:solidFill>
                   <a:srgbClr val="FFFFFF"/>
                 </a:solidFill>
               </a14:hiddenFill>
             </a:ext>
             <a:ext uri="{91240B29-F687-4F45-9708-019B960494DF}">
-              <a14:hiddenLine xmlns:a14="http://schemas.microsoft.com/office/drawing/2010/main" xmlns="" w="9525">
+              <a14:hiddenLine xmlns:a14="http://schemas.microsoft.com/office/drawing/2010/main" w="9525">
                 <a:solidFill>
                   <a:srgbClr val="000000"/>
                 </a:solidFill>
@@ -3062,14 +3062,14 @@
           <a:ln/>
           <a:extLst>
             <a:ext uri="{909E8E84-426E-40DD-AFC4-6F175D3DCCD1}">
-              <a14:hiddenFill xmlns:a14="http://schemas.microsoft.com/office/drawing/2010/main" xmlns="">
+              <a14:hiddenFill xmlns:a14="http://schemas.microsoft.com/office/drawing/2010/main">
                 <a:solidFill>
                   <a:srgbClr val="FFFFFF"/>
                 </a:solidFill>
               </a14:hiddenFill>
             </a:ext>
             <a:ext uri="{91240B29-F687-4F45-9708-019B960494DF}">
-              <a14:hiddenLine xmlns:a14="http://schemas.microsoft.com/office/drawing/2010/main" xmlns="" w="9525">
+              <a14:hiddenLine xmlns:a14="http://schemas.microsoft.com/office/drawing/2010/main" w="9525">
                 <a:solidFill>
                   <a:srgbClr val="000000"/>
                 </a:solidFill>
@@ -3094,7 +3094,7 @@
     </p:spTree>
     <p:extLst>
       <p:ext uri="{BB962C8B-B14F-4D97-AF65-F5344CB8AC3E}">
-        <p14:creationId xmlns:p14="http://schemas.microsoft.com/office/powerpoint/2010/main" xmlns="" val="3627095227"/>
+        <p14:creationId xmlns:p14="http://schemas.microsoft.com/office/powerpoint/2010/main" val="3627095227"/>
       </p:ext>
     </p:extLst>
   </p:cSld>
@@ -3179,7 +3179,7 @@
     </p:spTree>
     <p:extLst>
       <p:ext uri="{BB962C8B-B14F-4D97-AF65-F5344CB8AC3E}">
-        <p14:creationId xmlns:p14="http://schemas.microsoft.com/office/powerpoint/2010/main" xmlns="" val="303780366"/>
+        <p14:creationId xmlns:p14="http://schemas.microsoft.com/office/powerpoint/2010/main" val="303780366"/>
       </p:ext>
     </p:extLst>
   </p:cSld>
@@ -3221,14 +3221,14 @@
           <a:ln/>
           <a:extLst>
             <a:ext uri="{909E8E84-426E-40DD-AFC4-6F175D3DCCD1}">
-              <a14:hiddenFill xmlns:a14="http://schemas.microsoft.com/office/drawing/2010/main" xmlns="">
+              <a14:hiddenFill xmlns:a14="http://schemas.microsoft.com/office/drawing/2010/main">
                 <a:solidFill>
                   <a:srgbClr val="FFFFFF"/>
                 </a:solidFill>
               </a14:hiddenFill>
             </a:ext>
             <a:ext uri="{91240B29-F687-4F45-9708-019B960494DF}">
-              <a14:hiddenLine xmlns:a14="http://schemas.microsoft.com/office/drawing/2010/main" xmlns="" w="9525">
+              <a14:hiddenLine xmlns:a14="http://schemas.microsoft.com/office/drawing/2010/main" w="9525">
                 <a:solidFill>
                   <a:srgbClr val="000000"/>
                 </a:solidFill>
@@ -3383,14 +3383,14 @@
           <a:ln/>
           <a:extLst>
             <a:ext uri="{909E8E84-426E-40DD-AFC4-6F175D3DCCD1}">
-              <a14:hiddenFill xmlns:a14="http://schemas.microsoft.com/office/drawing/2010/main" xmlns="">
+              <a14:hiddenFill xmlns:a14="http://schemas.microsoft.com/office/drawing/2010/main">
                 <a:solidFill>
                   <a:srgbClr val="FFFFFF"/>
                 </a:solidFill>
               </a14:hiddenFill>
             </a:ext>
             <a:ext uri="{91240B29-F687-4F45-9708-019B960494DF}">
-              <a14:hiddenLine xmlns:a14="http://schemas.microsoft.com/office/drawing/2010/main" xmlns="" w="9525">
+              <a14:hiddenLine xmlns:a14="http://schemas.microsoft.com/office/drawing/2010/main" w="9525">
                 <a:solidFill>
                   <a:srgbClr val="000000"/>
                 </a:solidFill>
@@ -3415,7 +3415,7 @@
     </p:spTree>
     <p:extLst>
       <p:ext uri="{BB962C8B-B14F-4D97-AF65-F5344CB8AC3E}">
-        <p14:creationId xmlns:p14="http://schemas.microsoft.com/office/powerpoint/2010/main" xmlns="" val="1548626159"/>
+        <p14:creationId xmlns:p14="http://schemas.microsoft.com/office/powerpoint/2010/main" val="1548626159"/>
       </p:ext>
     </p:extLst>
   </p:cSld>
@@ -3512,7 +3512,7 @@
     </p:spTree>
     <p:extLst>
       <p:ext uri="{BB962C8B-B14F-4D97-AF65-F5344CB8AC3E}">
-        <p14:creationId xmlns:p14="http://schemas.microsoft.com/office/powerpoint/2010/main" xmlns="" val="303780366"/>
+        <p14:creationId xmlns:p14="http://schemas.microsoft.com/office/powerpoint/2010/main" val="303780366"/>
       </p:ext>
     </p:extLst>
   </p:cSld>
@@ -3597,7 +3597,7 @@
     </p:spTree>
     <p:extLst>
       <p:ext uri="{BB962C8B-B14F-4D97-AF65-F5344CB8AC3E}">
-        <p14:creationId xmlns:p14="http://schemas.microsoft.com/office/powerpoint/2010/main" xmlns="" val="303780366"/>
+        <p14:creationId xmlns:p14="http://schemas.microsoft.com/office/powerpoint/2010/main" val="303780366"/>
       </p:ext>
     </p:extLst>
   </p:cSld>
@@ -4021,7 +4021,7 @@
     </p:spTree>
     <p:extLst>
       <p:ext uri="{BB962C8B-B14F-4D97-AF65-F5344CB8AC3E}">
-        <p14:creationId xmlns:p14="http://schemas.microsoft.com/office/powerpoint/2010/main" xmlns="" val="303780366"/>
+        <p14:creationId xmlns:p14="http://schemas.microsoft.com/office/powerpoint/2010/main" val="303780366"/>
       </p:ext>
     </p:extLst>
   </p:cSld>
@@ -4133,7 +4133,7 @@
     </p:spTree>
     <p:extLst>
       <p:ext uri="{BB962C8B-B14F-4D97-AF65-F5344CB8AC3E}">
-        <p14:creationId xmlns:p14="http://schemas.microsoft.com/office/powerpoint/2010/main" xmlns="" val="303780366"/>
+        <p14:creationId xmlns:p14="http://schemas.microsoft.com/office/powerpoint/2010/main" val="303780366"/>
       </p:ext>
     </p:extLst>
   </p:cSld>
@@ -4175,14 +4175,14 @@
           <a:ln/>
           <a:extLst>
             <a:ext uri="{909E8E84-426E-40DD-AFC4-6F175D3DCCD1}">
-              <a14:hiddenFill xmlns:a14="http://schemas.microsoft.com/office/drawing/2010/main" xmlns="">
+              <a14:hiddenFill xmlns:a14="http://schemas.microsoft.com/office/drawing/2010/main">
                 <a:solidFill>
                   <a:srgbClr val="FFFFFF"/>
                 </a:solidFill>
               </a14:hiddenFill>
             </a:ext>
             <a:ext uri="{91240B29-F687-4F45-9708-019B960494DF}">
-              <a14:hiddenLine xmlns:a14="http://schemas.microsoft.com/office/drawing/2010/main" xmlns="" w="9525">
+              <a14:hiddenLine xmlns:a14="http://schemas.microsoft.com/office/drawing/2010/main" w="9525">
                 <a:solidFill>
                   <a:srgbClr val="000000"/>
                 </a:solidFill>
@@ -4337,14 +4337,14 @@
           <a:ln/>
           <a:extLst>
             <a:ext uri="{909E8E84-426E-40DD-AFC4-6F175D3DCCD1}">
-              <a14:hiddenFill xmlns:a14="http://schemas.microsoft.com/office/drawing/2010/main" xmlns="">
+              <a14:hiddenFill xmlns:a14="http://schemas.microsoft.com/office/drawing/2010/main">
                 <a:solidFill>
                   <a:srgbClr val="FFFFFF"/>
                 </a:solidFill>
               </a14:hiddenFill>
             </a:ext>
             <a:ext uri="{91240B29-F687-4F45-9708-019B960494DF}">
-              <a14:hiddenLine xmlns:a14="http://schemas.microsoft.com/office/drawing/2010/main" xmlns="" w="9525">
+              <a14:hiddenLine xmlns:a14="http://schemas.microsoft.com/office/drawing/2010/main" w="9525">
                 <a:solidFill>
                   <a:srgbClr val="000000"/>
                 </a:solidFill>
@@ -4369,7 +4369,7 @@
     </p:spTree>
     <p:extLst>
       <p:ext uri="{BB962C8B-B14F-4D97-AF65-F5344CB8AC3E}">
-        <p14:creationId xmlns:p14="http://schemas.microsoft.com/office/powerpoint/2010/main" xmlns="" val="1548626159"/>
+        <p14:creationId xmlns:p14="http://schemas.microsoft.com/office/powerpoint/2010/main" val="1548626159"/>
       </p:ext>
     </p:extLst>
   </p:cSld>
@@ -4411,14 +4411,14 @@
           <a:ln/>
           <a:extLst>
             <a:ext uri="{909E8E84-426E-40DD-AFC4-6F175D3DCCD1}">
-              <a14:hiddenFill xmlns:a14="http://schemas.microsoft.com/office/drawing/2010/main" xmlns="">
+              <a14:hiddenFill xmlns:a14="http://schemas.microsoft.com/office/drawing/2010/main">
                 <a:solidFill>
                   <a:srgbClr val="FFFFFF"/>
                 </a:solidFill>
               </a14:hiddenFill>
             </a:ext>
             <a:ext uri="{91240B29-F687-4F45-9708-019B960494DF}">
-              <a14:hiddenLine xmlns:a14="http://schemas.microsoft.com/office/drawing/2010/main" xmlns="" w="9525">
+              <a14:hiddenLine xmlns:a14="http://schemas.microsoft.com/office/drawing/2010/main" w="9525">
                 <a:solidFill>
                   <a:srgbClr val="000000"/>
                 </a:solidFill>
@@ -4573,14 +4573,14 @@
           <a:ln/>
           <a:extLst>
             <a:ext uri="{909E8E84-426E-40DD-AFC4-6F175D3DCCD1}">
-              <a14:hiddenFill xmlns:a14="http://schemas.microsoft.com/office/drawing/2010/main" xmlns="">
+              <a14:hiddenFill xmlns:a14="http://schemas.microsoft.com/office/drawing/2010/main">
                 <a:solidFill>
                   <a:srgbClr val="FFFFFF"/>
                 </a:solidFill>
               </a14:hiddenFill>
             </a:ext>
             <a:ext uri="{91240B29-F687-4F45-9708-019B960494DF}">
-              <a14:hiddenLine xmlns:a14="http://schemas.microsoft.com/office/drawing/2010/main" xmlns="" w="9525">
+              <a14:hiddenLine xmlns:a14="http://schemas.microsoft.com/office/drawing/2010/main" w="9525">
                 <a:solidFill>
                   <a:srgbClr val="000000"/>
                 </a:solidFill>
@@ -4605,7 +4605,7 @@
     </p:spTree>
     <p:extLst>
       <p:ext uri="{BB962C8B-B14F-4D97-AF65-F5344CB8AC3E}">
-        <p14:creationId xmlns:p14="http://schemas.microsoft.com/office/powerpoint/2010/main" xmlns="" val="1548626159"/>
+        <p14:creationId xmlns:p14="http://schemas.microsoft.com/office/powerpoint/2010/main" val="1548626159"/>
       </p:ext>
     </p:extLst>
   </p:cSld>
@@ -4697,7 +4697,7 @@
     </p:spTree>
     <p:extLst>
       <p:ext uri="{BB962C8B-B14F-4D97-AF65-F5344CB8AC3E}">
-        <p14:creationId xmlns:p14="http://schemas.microsoft.com/office/powerpoint/2010/main" xmlns="" val="1401477982"/>
+        <p14:creationId xmlns:p14="http://schemas.microsoft.com/office/powerpoint/2010/main" val="1401477982"/>
       </p:ext>
     </p:extLst>
   </p:cSld>
@@ -4782,7 +4782,7 @@
     </p:spTree>
     <p:extLst>
       <p:ext uri="{BB962C8B-B14F-4D97-AF65-F5344CB8AC3E}">
-        <p14:creationId xmlns:p14="http://schemas.microsoft.com/office/powerpoint/2010/main" xmlns="" val="1060475696"/>
+        <p14:creationId xmlns:p14="http://schemas.microsoft.com/office/powerpoint/2010/main" val="1060475696"/>
       </p:ext>
     </p:extLst>
   </p:cSld>
@@ -4824,14 +4824,14 @@
           <a:ln/>
           <a:extLst>
             <a:ext uri="{909E8E84-426E-40DD-AFC4-6F175D3DCCD1}">
-              <a14:hiddenFill xmlns:a14="http://schemas.microsoft.com/office/drawing/2010/main" xmlns="">
+              <a14:hiddenFill xmlns:a14="http://schemas.microsoft.com/office/drawing/2010/main">
                 <a:solidFill>
                   <a:srgbClr val="FFFFFF"/>
                 </a:solidFill>
               </a14:hiddenFill>
             </a:ext>
             <a:ext uri="{91240B29-F687-4F45-9708-019B960494DF}">
-              <a14:hiddenLine xmlns:a14="http://schemas.microsoft.com/office/drawing/2010/main" xmlns="" w="9525">
+              <a14:hiddenLine xmlns:a14="http://schemas.microsoft.com/office/drawing/2010/main" w="9525">
                 <a:solidFill>
                   <a:srgbClr val="000000"/>
                 </a:solidFill>
@@ -4986,14 +4986,14 @@
           <a:ln/>
           <a:extLst>
             <a:ext uri="{909E8E84-426E-40DD-AFC4-6F175D3DCCD1}">
-              <a14:hiddenFill xmlns:a14="http://schemas.microsoft.com/office/drawing/2010/main" xmlns="">
+              <a14:hiddenFill xmlns:a14="http://schemas.microsoft.com/office/drawing/2010/main">
                 <a:solidFill>
                   <a:srgbClr val="FFFFFF"/>
                 </a:solidFill>
               </a14:hiddenFill>
             </a:ext>
             <a:ext uri="{91240B29-F687-4F45-9708-019B960494DF}">
-              <a14:hiddenLine xmlns:a14="http://schemas.microsoft.com/office/drawing/2010/main" xmlns="" w="9525">
+              <a14:hiddenLine xmlns:a14="http://schemas.microsoft.com/office/drawing/2010/main" w="9525">
                 <a:solidFill>
                   <a:srgbClr val="000000"/>
                 </a:solidFill>
@@ -5018,7 +5018,7 @@
     </p:spTree>
     <p:extLst>
       <p:ext uri="{BB962C8B-B14F-4D97-AF65-F5344CB8AC3E}">
-        <p14:creationId xmlns:p14="http://schemas.microsoft.com/office/powerpoint/2010/main" xmlns="" val="3627095227"/>
+        <p14:creationId xmlns:p14="http://schemas.microsoft.com/office/powerpoint/2010/main" val="3627095227"/>
       </p:ext>
     </p:extLst>
   </p:cSld>
@@ -5110,7 +5110,7 @@
     </p:spTree>
     <p:extLst>
       <p:ext uri="{BB962C8B-B14F-4D97-AF65-F5344CB8AC3E}">
-        <p14:creationId xmlns:p14="http://schemas.microsoft.com/office/powerpoint/2010/main" xmlns="" val="1401477982"/>
+        <p14:creationId xmlns:p14="http://schemas.microsoft.com/office/powerpoint/2010/main" val="1401477982"/>
       </p:ext>
     </p:extLst>
   </p:cSld>
@@ -5152,14 +5152,14 @@
           <a:ln/>
           <a:extLst>
             <a:ext uri="{909E8E84-426E-40DD-AFC4-6F175D3DCCD1}">
-              <a14:hiddenFill xmlns:a14="http://schemas.microsoft.com/office/drawing/2010/main" xmlns="">
+              <a14:hiddenFill xmlns:a14="http://schemas.microsoft.com/office/drawing/2010/main">
                 <a:solidFill>
                   <a:srgbClr val="FFFFFF"/>
                 </a:solidFill>
               </a14:hiddenFill>
             </a:ext>
             <a:ext uri="{91240B29-F687-4F45-9708-019B960494DF}">
-              <a14:hiddenLine xmlns:a14="http://schemas.microsoft.com/office/drawing/2010/main" xmlns="" w="9525">
+              <a14:hiddenLine xmlns:a14="http://schemas.microsoft.com/office/drawing/2010/main" w="9525">
                 <a:solidFill>
                   <a:srgbClr val="000000"/>
                 </a:solidFill>
@@ -5314,14 +5314,14 @@
           <a:ln/>
           <a:extLst>
             <a:ext uri="{909E8E84-426E-40DD-AFC4-6F175D3DCCD1}">
-              <a14:hiddenFill xmlns:a14="http://schemas.microsoft.com/office/drawing/2010/main" xmlns="">
+              <a14:hiddenFill xmlns:a14="http://schemas.microsoft.com/office/drawing/2010/main">
                 <a:solidFill>
                   <a:srgbClr val="FFFFFF"/>
                 </a:solidFill>
               </a14:hiddenFill>
             </a:ext>
             <a:ext uri="{91240B29-F687-4F45-9708-019B960494DF}">
-              <a14:hiddenLine xmlns:a14="http://schemas.microsoft.com/office/drawing/2010/main" xmlns="" w="9525">
+              <a14:hiddenLine xmlns:a14="http://schemas.microsoft.com/office/drawing/2010/main" w="9525">
                 <a:solidFill>
                   <a:srgbClr val="000000"/>
                 </a:solidFill>
@@ -5346,7 +5346,7 @@
     </p:spTree>
     <p:extLst>
       <p:ext uri="{BB962C8B-B14F-4D97-AF65-F5344CB8AC3E}">
-        <p14:creationId xmlns:p14="http://schemas.microsoft.com/office/powerpoint/2010/main" xmlns="" val="2011107479"/>
+        <p14:creationId xmlns:p14="http://schemas.microsoft.com/office/powerpoint/2010/main" val="2011107479"/>
       </p:ext>
     </p:extLst>
   </p:cSld>
@@ -5388,14 +5388,14 @@
           <a:ln/>
           <a:extLst>
             <a:ext uri="{909E8E84-426E-40DD-AFC4-6F175D3DCCD1}">
-              <a14:hiddenFill xmlns:a14="http://schemas.microsoft.com/office/drawing/2010/main" xmlns="">
+              <a14:hiddenFill xmlns:a14="http://schemas.microsoft.com/office/drawing/2010/main">
                 <a:solidFill>
                   <a:srgbClr val="FFFFFF"/>
                 </a:solidFill>
               </a14:hiddenFill>
             </a:ext>
             <a:ext uri="{91240B29-F687-4F45-9708-019B960494DF}">
-              <a14:hiddenLine xmlns:a14="http://schemas.microsoft.com/office/drawing/2010/main" xmlns="" w="9525">
+              <a14:hiddenLine xmlns:a14="http://schemas.microsoft.com/office/drawing/2010/main" w="9525">
                 <a:solidFill>
                   <a:srgbClr val="000000"/>
                 </a:solidFill>
@@ -5550,14 +5550,14 @@
           <a:ln/>
           <a:extLst>
             <a:ext uri="{909E8E84-426E-40DD-AFC4-6F175D3DCCD1}">
-              <a14:hiddenFill xmlns:a14="http://schemas.microsoft.com/office/drawing/2010/main" xmlns="">
+              <a14:hiddenFill xmlns:a14="http://schemas.microsoft.com/office/drawing/2010/main">
                 <a:solidFill>
                   <a:srgbClr val="FFFFFF"/>
                 </a:solidFill>
               </a14:hiddenFill>
             </a:ext>
             <a:ext uri="{91240B29-F687-4F45-9708-019B960494DF}">
-              <a14:hiddenLine xmlns:a14="http://schemas.microsoft.com/office/drawing/2010/main" xmlns="" w="9525">
+              <a14:hiddenLine xmlns:a14="http://schemas.microsoft.com/office/drawing/2010/main" w="9525">
                 <a:solidFill>
                   <a:srgbClr val="000000"/>
                 </a:solidFill>
@@ -5582,7 +5582,7 @@
     </p:spTree>
     <p:extLst>
       <p:ext uri="{BB962C8B-B14F-4D97-AF65-F5344CB8AC3E}">
-        <p14:creationId xmlns:p14="http://schemas.microsoft.com/office/powerpoint/2010/main" xmlns="" val="2011107479"/>
+        <p14:creationId xmlns:p14="http://schemas.microsoft.com/office/powerpoint/2010/main" val="2011107479"/>
       </p:ext>
     </p:extLst>
   </p:cSld>
@@ -5638,14 +5638,14 @@
           <a:ln/>
           <a:extLst>
             <a:ext uri="{909E8E84-426E-40DD-AFC4-6F175D3DCCD1}">
-              <a14:hiddenFill xmlns:a14="http://schemas.microsoft.com/office/drawing/2010/main" xmlns="">
+              <a14:hiddenFill xmlns:a14="http://schemas.microsoft.com/office/drawing/2010/main">
                 <a:solidFill>
                   <a:srgbClr val="FFFFFF"/>
                 </a:solidFill>
               </a14:hiddenFill>
             </a:ext>
             <a:ext uri="{91240B29-F687-4F45-9708-019B960494DF}">
-              <a14:hiddenLine xmlns:a14="http://schemas.microsoft.com/office/drawing/2010/main" xmlns="" w="9525">
+              <a14:hiddenLine xmlns:a14="http://schemas.microsoft.com/office/drawing/2010/main" w="9525">
                 <a:solidFill>
                   <a:srgbClr val="000000"/>
                 </a:solidFill>
@@ -5700,14 +5700,14 @@
           <a:ln/>
           <a:extLst>
             <a:ext uri="{909E8E84-426E-40DD-AFC4-6F175D3DCCD1}">
-              <a14:hiddenFill xmlns:a14="http://schemas.microsoft.com/office/drawing/2010/main" xmlns="">
+              <a14:hiddenFill xmlns:a14="http://schemas.microsoft.com/office/drawing/2010/main">
                 <a:solidFill>
                   <a:srgbClr val="FFFFFF"/>
                 </a:solidFill>
               </a14:hiddenFill>
             </a:ext>
             <a:ext uri="{91240B29-F687-4F45-9708-019B960494DF}">
-              <a14:hiddenLine xmlns:a14="http://schemas.microsoft.com/office/drawing/2010/main" xmlns="" w="9525">
+              <a14:hiddenLine xmlns:a14="http://schemas.microsoft.com/office/drawing/2010/main" w="9525">
                 <a:solidFill>
                   <a:srgbClr val="000000"/>
                 </a:solidFill>
@@ -5832,7 +5832,7 @@
     </p:spTree>
     <p:extLst>
       <p:ext uri="{BB962C8B-B14F-4D97-AF65-F5344CB8AC3E}">
-        <p14:creationId xmlns:p14="http://schemas.microsoft.com/office/powerpoint/2010/main" xmlns="" val="2557706004"/>
+        <p14:creationId xmlns:p14="http://schemas.microsoft.com/office/powerpoint/2010/main" val="2557706004"/>
       </p:ext>
     </p:extLst>
   </p:cSld>
@@ -5962,6 +5962,11 @@
         </p:txBody>
       </p:sp>
     </p:spTree>
+    <p:extLst>
+      <p:ext uri="{BB962C8B-B14F-4D97-AF65-F5344CB8AC3E}">
+        <p14:creationId xmlns:p14="http://schemas.microsoft.com/office/powerpoint/2010/main" val="1287761268"/>
+      </p:ext>
+    </p:extLst>
   </p:cSld>
   <p:clrMapOvr>
     <a:masterClrMapping/>
@@ -6001,14 +6006,14 @@
           <a:ln/>
           <a:extLst>
             <a:ext uri="{909E8E84-426E-40DD-AFC4-6F175D3DCCD1}">
-              <a14:hiddenFill xmlns:a14="http://schemas.microsoft.com/office/drawing/2010/main" xmlns="">
+              <a14:hiddenFill xmlns:a14="http://schemas.microsoft.com/office/drawing/2010/main">
                 <a:solidFill>
                   <a:srgbClr val="FFFFFF"/>
                 </a:solidFill>
               </a14:hiddenFill>
             </a:ext>
             <a:ext uri="{91240B29-F687-4F45-9708-019B960494DF}">
-              <a14:hiddenLine xmlns:a14="http://schemas.microsoft.com/office/drawing/2010/main" xmlns="" w="9525">
+              <a14:hiddenLine xmlns:a14="http://schemas.microsoft.com/office/drawing/2010/main" w="9525">
                 <a:solidFill>
                   <a:srgbClr val="000000"/>
                 </a:solidFill>
@@ -6163,14 +6168,14 @@
           <a:ln/>
           <a:extLst>
             <a:ext uri="{909E8E84-426E-40DD-AFC4-6F175D3DCCD1}">
-              <a14:hiddenFill xmlns:a14="http://schemas.microsoft.com/office/drawing/2010/main" xmlns="">
+              <a14:hiddenFill xmlns:a14="http://schemas.microsoft.com/office/drawing/2010/main">
                 <a:solidFill>
                   <a:srgbClr val="FFFFFF"/>
                 </a:solidFill>
               </a14:hiddenFill>
             </a:ext>
             <a:ext uri="{91240B29-F687-4F45-9708-019B960494DF}">
-              <a14:hiddenLine xmlns:a14="http://schemas.microsoft.com/office/drawing/2010/main" xmlns="" w="9525">
+              <a14:hiddenLine xmlns:a14="http://schemas.microsoft.com/office/drawing/2010/main" w="9525">
                 <a:solidFill>
                   <a:srgbClr val="000000"/>
                 </a:solidFill>
@@ -6195,7 +6200,7 @@
     </p:spTree>
     <p:extLst>
       <p:ext uri="{BB962C8B-B14F-4D97-AF65-F5344CB8AC3E}">
-        <p14:creationId xmlns:p14="http://schemas.microsoft.com/office/powerpoint/2010/main" xmlns="" val="3627095227"/>
+        <p14:creationId xmlns:p14="http://schemas.microsoft.com/office/powerpoint/2010/main" val="3627095227"/>
       </p:ext>
     </p:extLst>
   </p:cSld>
@@ -6296,7 +6301,7 @@
     </p:spTree>
     <p:extLst>
       <p:ext uri="{BB962C8B-B14F-4D97-AF65-F5344CB8AC3E}">
-        <p14:creationId xmlns:p14="http://schemas.microsoft.com/office/powerpoint/2010/main" xmlns="" val="3859873141"/>
+        <p14:creationId xmlns:p14="http://schemas.microsoft.com/office/powerpoint/2010/main" val="3859873141"/>
       </p:ext>
     </p:extLst>
   </p:cSld>
@@ -6404,7 +6409,7 @@
     </p:spTree>
     <p:extLst>
       <p:ext uri="{BB962C8B-B14F-4D97-AF65-F5344CB8AC3E}">
-        <p14:creationId xmlns:p14="http://schemas.microsoft.com/office/powerpoint/2010/main" xmlns="" val="3982595636"/>
+        <p14:creationId xmlns:p14="http://schemas.microsoft.com/office/powerpoint/2010/main" val="3982595636"/>
       </p:ext>
     </p:extLst>
   </p:cSld>
@@ -6522,7 +6527,7 @@
     </p:spTree>
     <p:extLst>
       <p:ext uri="{BB962C8B-B14F-4D97-AF65-F5344CB8AC3E}">
-        <p14:creationId xmlns:p14="http://schemas.microsoft.com/office/powerpoint/2010/main" xmlns="" val="1055559654"/>
+        <p14:creationId xmlns:p14="http://schemas.microsoft.com/office/powerpoint/2010/main" val="1055559654"/>
       </p:ext>
     </p:extLst>
   </p:cSld>
@@ -6608,7 +6613,7 @@
     </p:spTree>
     <p:extLst>
       <p:ext uri="{BB962C8B-B14F-4D97-AF65-F5344CB8AC3E}">
-        <p14:creationId xmlns:p14="http://schemas.microsoft.com/office/powerpoint/2010/main" xmlns="" val="1266727584"/>
+        <p14:creationId xmlns:p14="http://schemas.microsoft.com/office/powerpoint/2010/main" val="1266727584"/>
       </p:ext>
     </p:extLst>
   </p:cSld>
@@ -6783,7 +6788,7 @@
     </p:spTree>
     <p:extLst>
       <p:ext uri="{BB962C8B-B14F-4D97-AF65-F5344CB8AC3E}">
-        <p14:creationId xmlns:p14="http://schemas.microsoft.com/office/powerpoint/2010/main" xmlns="" val="675393057"/>
+        <p14:creationId xmlns:p14="http://schemas.microsoft.com/office/powerpoint/2010/main" val="675393057"/>
       </p:ext>
     </p:extLst>
   </p:cSld>
@@ -6891,7 +6896,7 @@
     </p:spTree>
     <p:extLst>
       <p:ext uri="{BB962C8B-B14F-4D97-AF65-F5344CB8AC3E}">
-        <p14:creationId xmlns:p14="http://schemas.microsoft.com/office/powerpoint/2010/main" xmlns="" val="1740102293"/>
+        <p14:creationId xmlns:p14="http://schemas.microsoft.com/office/powerpoint/2010/main" val="1740102293"/>
       </p:ext>
     </p:extLst>
   </p:cSld>
@@ -7021,7 +7026,7 @@
     </p:spTree>
     <p:extLst>
       <p:ext uri="{BB962C8B-B14F-4D97-AF65-F5344CB8AC3E}">
-        <p14:creationId xmlns:p14="http://schemas.microsoft.com/office/powerpoint/2010/main" xmlns="" val="3155499384"/>
+        <p14:creationId xmlns:p14="http://schemas.microsoft.com/office/powerpoint/2010/main" val="3155499384"/>
       </p:ext>
     </p:extLst>
   </p:cSld>
@@ -7247,7 +7252,7 @@
     </p:spTree>
     <p:extLst>
       <p:ext uri="{BB962C8B-B14F-4D97-AF65-F5344CB8AC3E}">
-        <p14:creationId xmlns:p14="http://schemas.microsoft.com/office/powerpoint/2010/main" xmlns="" val="1678942536"/>
+        <p14:creationId xmlns:p14="http://schemas.microsoft.com/office/powerpoint/2010/main" val="1678942536"/>
       </p:ext>
     </p:extLst>
   </p:cSld>
@@ -7612,7 +7617,7 @@
     </p:spTree>
     <p:extLst>
       <p:ext uri="{BB962C8B-B14F-4D97-AF65-F5344CB8AC3E}">
-        <p14:creationId xmlns:p14="http://schemas.microsoft.com/office/powerpoint/2010/main" xmlns="" val="4166405866"/>
+        <p14:creationId xmlns:p14="http://schemas.microsoft.com/office/powerpoint/2010/main" val="4166405866"/>
       </p:ext>
     </p:extLst>
   </p:cSld>
@@ -7668,7 +7673,7 @@
     </p:spTree>
     <p:extLst>
       <p:ext uri="{BB962C8B-B14F-4D97-AF65-F5344CB8AC3E}">
-        <p14:creationId xmlns:p14="http://schemas.microsoft.com/office/powerpoint/2010/main" xmlns="" val="1414955222"/>
+        <p14:creationId xmlns:p14="http://schemas.microsoft.com/office/powerpoint/2010/main" val="1414955222"/>
       </p:ext>
     </p:extLst>
   </p:cSld>
@@ -7701,7 +7706,7 @@
     </p:spTree>
     <p:extLst>
       <p:ext uri="{BB962C8B-B14F-4D97-AF65-F5344CB8AC3E}">
-        <p14:creationId xmlns:p14="http://schemas.microsoft.com/office/powerpoint/2010/main" xmlns="" val="2055199056"/>
+        <p14:creationId xmlns:p14="http://schemas.microsoft.com/office/powerpoint/2010/main" val="2055199056"/>
       </p:ext>
     </p:extLst>
   </p:cSld>
@@ -7916,7 +7921,7 @@
     </p:spTree>
     <p:extLst>
       <p:ext uri="{BB962C8B-B14F-4D97-AF65-F5344CB8AC3E}">
-        <p14:creationId xmlns:p14="http://schemas.microsoft.com/office/powerpoint/2010/main" xmlns="" val="2035273768"/>
+        <p14:creationId xmlns:p14="http://schemas.microsoft.com/office/powerpoint/2010/main" val="2035273768"/>
       </p:ext>
     </p:extLst>
   </p:cSld>
@@ -8108,7 +8113,7 @@
     </p:spTree>
     <p:extLst>
       <p:ext uri="{BB962C8B-B14F-4D97-AF65-F5344CB8AC3E}">
-        <p14:creationId xmlns:p14="http://schemas.microsoft.com/office/powerpoint/2010/main" xmlns="" val="1476083631"/>
+        <p14:creationId xmlns:p14="http://schemas.microsoft.com/office/powerpoint/2010/main" val="1476083631"/>
       </p:ext>
     </p:extLst>
   </p:cSld>
@@ -9201,13 +9206,8 @@
             </a:pPr>
             <a:r>
               <a:rPr lang="es-ES" dirty="0" smtClean="0"/>
-              <a:t>Subir archivos al </a:t>
-            </a:r>
-            <a:r>
-              <a:rPr lang="es-ES" dirty="0" smtClean="0"/>
-              <a:t>servidor</a:t>
-            </a:r>
-            <a:endParaRPr lang="es-ES" dirty="0" smtClean="0"/>
+              <a:t>Subir archivos al servidor</a:t>
+            </a:r>
           </a:p>
           <a:p>
             <a:pPr eaLnBrk="1" hangingPunct="1">
@@ -9215,11 +9215,7 @@
             </a:pPr>
             <a:r>
               <a:rPr lang="es-ES" sz="3600" dirty="0" smtClean="0"/>
-              <a:t>Variables </a:t>
-            </a:r>
-            <a:r>
-              <a:rPr lang="es-ES" sz="3600" dirty="0" smtClean="0"/>
-              <a:t>de sesión</a:t>
+              <a:t>Variables de sesión</a:t>
             </a:r>
           </a:p>
           <a:p>
@@ -9337,13 +9333,7 @@
               <a:rPr lang="es-ES" sz="3600" dirty="0" smtClean="0">
                 <a:latin typeface="Franklin Gothic Medium" charset="0"/>
               </a:rPr>
-              <a:t>Variables </a:t>
-            </a:r>
-            <a:r>
-              <a:rPr lang="es-ES" sz="3600" dirty="0" smtClean="0">
-                <a:latin typeface="Franklin Gothic Medium" charset="0"/>
-              </a:rPr>
-              <a:t>de sesión</a:t>
+              <a:t>Variables de sesión</a:t>
             </a:r>
           </a:p>
           <a:p>
@@ -9516,7 +9506,7 @@
     </p:spTree>
     <p:extLst>
       <p:ext uri="{BB962C8B-B14F-4D97-AF65-F5344CB8AC3E}">
-        <p14:creationId xmlns:p14="http://schemas.microsoft.com/office/powerpoint/2010/main" xmlns="" val="143518348"/>
+        <p14:creationId xmlns:p14="http://schemas.microsoft.com/office/powerpoint/2010/main" val="143518348"/>
       </p:ext>
     </p:extLst>
   </p:cSld>
@@ -9614,13 +9604,7 @@
               <a:rPr lang="es-ES" sz="3600" dirty="0" smtClean="0">
                 <a:latin typeface="Franklin Gothic Medium" charset="0"/>
               </a:rPr>
-              <a:t>Variables </a:t>
-            </a:r>
-            <a:r>
-              <a:rPr lang="es-ES" sz="3600" dirty="0" smtClean="0">
-                <a:latin typeface="Franklin Gothic Medium" charset="0"/>
-              </a:rPr>
-              <a:t>de sesión</a:t>
+              <a:t>Variables de sesión</a:t>
             </a:r>
           </a:p>
           <a:p>
@@ -10263,7 +10247,7 @@
     </p:spTree>
     <p:extLst>
       <p:ext uri="{BB962C8B-B14F-4D97-AF65-F5344CB8AC3E}">
-        <p14:creationId xmlns:p14="http://schemas.microsoft.com/office/powerpoint/2010/main" xmlns="" val="143518348"/>
+        <p14:creationId xmlns:p14="http://schemas.microsoft.com/office/powerpoint/2010/main" val="143518348"/>
       </p:ext>
     </p:extLst>
   </p:cSld>
@@ -10830,7 +10814,7 @@
     </p:spTree>
     <p:extLst>
       <p:ext uri="{BB962C8B-B14F-4D97-AF65-F5344CB8AC3E}">
-        <p14:creationId xmlns:p14="http://schemas.microsoft.com/office/powerpoint/2010/main" xmlns="" val="143518348"/>
+        <p14:creationId xmlns:p14="http://schemas.microsoft.com/office/powerpoint/2010/main" val="143518348"/>
       </p:ext>
     </p:extLst>
   </p:cSld>
@@ -10928,13 +10912,7 @@
               <a:rPr lang="es-ES" sz="3600" dirty="0" smtClean="0">
                 <a:latin typeface="Franklin Gothic Medium" charset="0"/>
               </a:rPr>
-              <a:t>Variables </a:t>
-            </a:r>
-            <a:r>
-              <a:rPr lang="es-ES" sz="3600" dirty="0" smtClean="0">
-                <a:latin typeface="Franklin Gothic Medium" charset="0"/>
-              </a:rPr>
-              <a:t>de sesión</a:t>
+              <a:t>Variables de sesión</a:t>
             </a:r>
           </a:p>
           <a:p>
@@ -11723,7 +11701,7 @@
     </p:spTree>
     <p:extLst>
       <p:ext uri="{BB962C8B-B14F-4D97-AF65-F5344CB8AC3E}">
-        <p14:creationId xmlns:p14="http://schemas.microsoft.com/office/powerpoint/2010/main" xmlns="" val="143518348"/>
+        <p14:creationId xmlns:p14="http://schemas.microsoft.com/office/powerpoint/2010/main" val="143518348"/>
       </p:ext>
     </p:extLst>
   </p:cSld>
@@ -11894,11 +11872,7 @@
             </a:pPr>
             <a:r>
               <a:rPr lang="es-ES" dirty="0" smtClean="0"/>
-              <a:t>Subir archivos al </a:t>
-            </a:r>
-            <a:r>
-              <a:rPr lang="es-ES" dirty="0" smtClean="0"/>
-              <a:t>servidor</a:t>
+              <a:t>Subir archivos al servidor</a:t>
             </a:r>
           </a:p>
           <a:p>
@@ -11918,7 +11892,6 @@
               <a:rPr lang="es-ES" dirty="0" smtClean="0"/>
               <a:t>Cookies</a:t>
             </a:r>
-            <a:endParaRPr lang="es-ES" dirty="0" smtClean="0"/>
           </a:p>
         </p:txBody>
       </p:sp>
@@ -12025,13 +11998,7 @@
               <a:rPr lang="es-ES" dirty="0" smtClean="0">
                 <a:latin typeface="Franklin Gothic Medium" charset="0"/>
               </a:rPr>
-              <a:t>Variables </a:t>
-            </a:r>
-            <a:r>
-              <a:rPr lang="es-ES" dirty="0" smtClean="0">
-                <a:latin typeface="Franklin Gothic Medium" charset="0"/>
-              </a:rPr>
-              <a:t>de sesión</a:t>
+              <a:t>Variables de sesión</a:t>
             </a:r>
           </a:p>
           <a:p>
@@ -12042,7 +12009,6 @@
               <a:rPr lang="es-ES" sz="3600" dirty="0" smtClean="0"/>
               <a:t>Cookies</a:t>
             </a:r>
-            <a:endParaRPr lang="es-ES" sz="3600" dirty="0" smtClean="0"/>
           </a:p>
         </p:txBody>
       </p:sp>
@@ -12149,13 +12115,7 @@
               <a:rPr lang="es-ES" dirty="0" smtClean="0">
                 <a:latin typeface="Franklin Gothic Medium" charset="0"/>
               </a:rPr>
-              <a:t>Variables </a:t>
-            </a:r>
-            <a:r>
-              <a:rPr lang="es-ES" dirty="0" smtClean="0">
-                <a:latin typeface="Franklin Gothic Medium" charset="0"/>
-              </a:rPr>
-              <a:t>de sesión</a:t>
+              <a:t>Variables de sesión</a:t>
             </a:r>
           </a:p>
           <a:p>
@@ -12296,7 +12256,6 @@
               <a:rPr lang="es-ES" sz="2800" dirty="0" smtClean="0"/>
               <a:t>Una cookie se utiliza a menudo para identificar a un usuario. </a:t>
             </a:r>
-            <a:endParaRPr lang="es-ES" sz="2800" dirty="0" smtClean="0"/>
           </a:p>
           <a:p>
             <a:endParaRPr lang="es-ES" sz="2800" dirty="0" smtClean="0"/>
@@ -12313,24 +12272,16 @@
           <a:p>
             <a:r>
               <a:rPr lang="es-ES" sz="2800" dirty="0" smtClean="0"/>
-              <a:t>Cada </a:t>
-            </a:r>
+              <a:t>Cada vez que el mismo equipo solicita una página con un navegador, se enviará la cookie también.</a:t>
+            </a:r>
+          </a:p>
+          <a:p>
+            <a:endParaRPr lang="es-ES" sz="2800" dirty="0" smtClean="0"/>
+          </a:p>
+          <a:p>
             <a:r>
               <a:rPr lang="es-ES" sz="2800" dirty="0" smtClean="0"/>
-              <a:t>vez que el mismo equipo solicita una página con un navegador, se enviará la cookie también.</a:t>
-            </a:r>
-          </a:p>
-          <a:p>
-            <a:endParaRPr lang="es-ES" sz="2800" dirty="0" smtClean="0"/>
-          </a:p>
-          <a:p>
-            <a:r>
-              <a:rPr lang="es-ES" sz="2800" dirty="0" smtClean="0"/>
-              <a:t>Con </a:t>
-            </a:r>
-            <a:r>
-              <a:rPr lang="es-ES" sz="2800" dirty="0" smtClean="0"/>
-              <a:t>PHP, se puede tanto crear como recuperar valores de cookies.</a:t>
+              <a:t>Con PHP, se puede tanto crear como recuperar valores de cookies.</a:t>
             </a:r>
           </a:p>
         </p:txBody>
@@ -12338,7 +12289,7 @@
     </p:spTree>
     <p:extLst>
       <p:ext uri="{BB962C8B-B14F-4D97-AF65-F5344CB8AC3E}">
-        <p14:creationId xmlns:p14="http://schemas.microsoft.com/office/powerpoint/2010/main" xmlns="" val="143518348"/>
+        <p14:creationId xmlns:p14="http://schemas.microsoft.com/office/powerpoint/2010/main" val="143518348"/>
       </p:ext>
     </p:extLst>
   </p:cSld>
@@ -12436,13 +12387,7 @@
               <a:rPr lang="es-ES" dirty="0" smtClean="0">
                 <a:latin typeface="Franklin Gothic Medium" charset="0"/>
               </a:rPr>
-              <a:t>Variables </a:t>
-            </a:r>
-            <a:r>
-              <a:rPr lang="es-ES" dirty="0" smtClean="0">
-                <a:latin typeface="Franklin Gothic Medium" charset="0"/>
-              </a:rPr>
-              <a:t>de sesión</a:t>
+              <a:t>Variables de sesión</a:t>
             </a:r>
           </a:p>
           <a:p>
@@ -12635,7 +12580,7 @@
     </p:spTree>
     <p:extLst>
       <p:ext uri="{BB962C8B-B14F-4D97-AF65-F5344CB8AC3E}">
-        <p14:creationId xmlns:p14="http://schemas.microsoft.com/office/powerpoint/2010/main" xmlns="" val="143518348"/>
+        <p14:creationId xmlns:p14="http://schemas.microsoft.com/office/powerpoint/2010/main" val="143518348"/>
       </p:ext>
     </p:extLst>
   </p:cSld>
@@ -13407,7 +13352,7 @@
     </p:spTree>
     <p:extLst>
       <p:ext uri="{BB962C8B-B14F-4D97-AF65-F5344CB8AC3E}">
-        <p14:creationId xmlns:p14="http://schemas.microsoft.com/office/powerpoint/2010/main" xmlns="" val="143518348"/>
+        <p14:creationId xmlns:p14="http://schemas.microsoft.com/office/powerpoint/2010/main" val="143518348"/>
       </p:ext>
     </p:extLst>
   </p:cSld>
@@ -13584,7 +13529,7 @@
     </p:spTree>
     <p:extLst>
       <p:ext uri="{BB962C8B-B14F-4D97-AF65-F5344CB8AC3E}">
-        <p14:creationId xmlns:p14="http://schemas.microsoft.com/office/powerpoint/2010/main" xmlns="" val="143518348"/>
+        <p14:creationId xmlns:p14="http://schemas.microsoft.com/office/powerpoint/2010/main" val="143518348"/>
       </p:ext>
     </p:extLst>
   </p:cSld>
@@ -13732,7 +13677,7 @@
     </p:spTree>
     <p:extLst>
       <p:ext uri="{BB962C8B-B14F-4D97-AF65-F5344CB8AC3E}">
-        <p14:creationId xmlns:p14="http://schemas.microsoft.com/office/powerpoint/2010/main" xmlns="" val="143518348"/>
+        <p14:creationId xmlns:p14="http://schemas.microsoft.com/office/powerpoint/2010/main" val="143518348"/>
       </p:ext>
     </p:extLst>
   </p:cSld>
@@ -14544,13 +14489,7 @@
               <a:rPr lang="es-ES" dirty="0" smtClean="0">
                 <a:latin typeface="Franklin Gothic Medium" charset="0"/>
               </a:rPr>
-              <a:t>Variables </a:t>
-            </a:r>
-            <a:r>
-              <a:rPr lang="es-ES" dirty="0" smtClean="0">
-                <a:latin typeface="Franklin Gothic Medium" charset="0"/>
-              </a:rPr>
-              <a:t>de sesión</a:t>
+              <a:t>Variables de sesión</a:t>
             </a:r>
           </a:p>
           <a:p>
@@ -14695,15 +14634,7 @@
                   <a:schemeClr val="accent1"/>
                 </a:solidFill>
               </a:rPr>
-              <a:t>Subir archivos al </a:t>
-            </a:r>
-            <a:r>
-              <a:rPr lang="es-ES" sz="3600" dirty="0" smtClean="0">
-                <a:solidFill>
-                  <a:schemeClr val="accent1"/>
-                </a:solidFill>
-              </a:rPr>
-              <a:t>servidor</a:t>
+              <a:t>Subir archivos al servidor</a:t>
             </a:r>
           </a:p>
           <a:p>
@@ -14723,7 +14654,6 @@
               <a:rPr lang="es-ES" dirty="0" smtClean="0"/>
               <a:t>Cookies</a:t>
             </a:r>
-            <a:endParaRPr lang="es-ES" dirty="0" smtClean="0"/>
           </a:p>
         </p:txBody>
       </p:sp>
@@ -15285,7 +15215,7 @@
     </p:spTree>
     <p:extLst>
       <p:ext uri="{BB962C8B-B14F-4D97-AF65-F5344CB8AC3E}">
-        <p14:creationId xmlns:p14="http://schemas.microsoft.com/office/powerpoint/2010/main" xmlns="" val="1689140260"/>
+        <p14:creationId xmlns:p14="http://schemas.microsoft.com/office/powerpoint/2010/main" val="1689140260"/>
       </p:ext>
     </p:extLst>
   </p:cSld>
@@ -15357,7 +15287,7 @@
           <a:blip r:embed="rId3" cstate="print">
             <a:extLst>
               <a:ext uri="{28A0092B-C50C-407E-A947-70E740481C1C}">
-                <a14:useLocalDpi xmlns:a14="http://schemas.microsoft.com/office/drawing/2010/main" xmlns="" val="0"/>
+                <a14:useLocalDpi xmlns:a14="http://schemas.microsoft.com/office/drawing/2010/main" val="0"/>
               </a:ext>
             </a:extLst>
           </a:blip>
@@ -15380,14 +15310,14 @@
           </a:ln>
           <a:extLst>
             <a:ext uri="{909E8E84-426E-40DD-AFC4-6F175D3DCCD1}">
-              <a14:hiddenFill xmlns:a14="http://schemas.microsoft.com/office/drawing/2010/main" xmlns="">
+              <a14:hiddenFill xmlns:a14="http://schemas.microsoft.com/office/drawing/2010/main">
                 <a:solidFill>
                   <a:srgbClr val="FFFFFF"/>
                 </a:solidFill>
               </a14:hiddenFill>
             </a:ext>
             <a:ext uri="{91240B29-F687-4F45-9708-019B960494DF}">
-              <a14:hiddenLine xmlns:a14="http://schemas.microsoft.com/office/drawing/2010/main" xmlns="" w="9525">
+              <a14:hiddenLine xmlns:a14="http://schemas.microsoft.com/office/drawing/2010/main" w="9525">
                 <a:solidFill>
                   <a:srgbClr val="000000"/>
                 </a:solidFill>
@@ -16847,7 +16777,7 @@
     </p:spTree>
     <p:extLst>
       <p:ext uri="{BB962C8B-B14F-4D97-AF65-F5344CB8AC3E}">
-        <p14:creationId xmlns:p14="http://schemas.microsoft.com/office/powerpoint/2010/main" xmlns="" val="1689140260"/>
+        <p14:creationId xmlns:p14="http://schemas.microsoft.com/office/powerpoint/2010/main" val="1689140260"/>
       </p:ext>
     </p:extLst>
   </p:cSld>
@@ -17021,7 +16951,7 @@
     </p:spTree>
     <p:extLst>
       <p:ext uri="{BB962C8B-B14F-4D97-AF65-F5344CB8AC3E}">
-        <p14:creationId xmlns:p14="http://schemas.microsoft.com/office/powerpoint/2010/main" xmlns="" val="3505085889"/>
+        <p14:creationId xmlns:p14="http://schemas.microsoft.com/office/powerpoint/2010/main" val="3505085889"/>
       </p:ext>
     </p:extLst>
   </p:cSld>
@@ -17843,7 +17773,7 @@
     </p:spTree>
     <p:extLst>
       <p:ext uri="{BB962C8B-B14F-4D97-AF65-F5344CB8AC3E}">
-        <p14:creationId xmlns:p14="http://schemas.microsoft.com/office/powerpoint/2010/main" xmlns="" val="3505085889"/>
+        <p14:creationId xmlns:p14="http://schemas.microsoft.com/office/powerpoint/2010/main" val="3505085889"/>
       </p:ext>
     </p:extLst>
   </p:cSld>
